--- a/assessment_A.pptx
+++ b/assessment_A.pptx
@@ -6484,7 +6484,7 @@
                 <a:ea typeface="+mj-ea"/>
                 <a:cs typeface="+mj-cs"/>
               </a:rPr>
-              <a:t> (bonus)</a:t>
+              <a:t> (hard)</a:t>
             </a:r>
           </a:p>
           <a:p>
@@ -7868,8 +7868,8 @@
         </p:nvSpPr>
         <p:spPr>
           <a:xfrm>
-            <a:off x="696000" y="369000"/>
-            <a:ext cx="10800000" cy="6124754"/>
+            <a:off x="696000" y="189000"/>
+            <a:ext cx="10800000" cy="6617196"/>
           </a:xfrm>
           <a:prstGeom prst="rect">
             <a:avLst/>
@@ -7919,120 +7919,6 @@
               </a:rPr>
               <a:t>2</a:t>
             </a:fld>
-            <a:endParaRPr kumimoji="0" lang="en-GB" sz="4000" b="1" i="0" u="none" strike="noStrike" kern="1200" cap="none" spc="0" normalizeH="0" baseline="0" noProof="0" dirty="0">
-              <a:ln>
-                <a:noFill/>
-              </a:ln>
-              <a:solidFill>
-                <a:prstClr val="black"/>
-              </a:solidFill>
-              <a:effectLst/>
-              <a:uLnTx/>
-              <a:uFillTx/>
-              <a:latin typeface="Atkinson Hyperlegible" pitchFamily="50" charset="0"/>
-              <a:ea typeface="+mj-ea"/>
-              <a:cs typeface="+mj-cs"/>
-            </a:endParaRPr>
-          </a:p>
-          <a:p>
-            <a:pPr marL="0" indent="0" algn="ctr">
-              <a:buNone/>
-            </a:pPr>
-            <a:endParaRPr kumimoji="0" lang="en-GB" sz="4000" b="1" i="0" u="none" strike="noStrike" kern="1200" cap="none" spc="0" normalizeH="0" baseline="0" noProof="0" dirty="0">
-              <a:ln>
-                <a:noFill/>
-              </a:ln>
-              <a:solidFill>
-                <a:prstClr val="black"/>
-              </a:solidFill>
-              <a:effectLst/>
-              <a:uLnTx/>
-              <a:uFillTx/>
-              <a:latin typeface="Atkinson Hyperlegible" pitchFamily="50" charset="0"/>
-              <a:ea typeface="+mj-ea"/>
-              <a:cs typeface="+mj-cs"/>
-            </a:endParaRPr>
-          </a:p>
-          <a:p>
-            <a:r>
-              <a:rPr lang="en-GB" sz="2400" dirty="0">
-                <a:solidFill>
-                  <a:prstClr val="black"/>
-                </a:solidFill>
-                <a:latin typeface="Atkinson Hyperlegible" pitchFamily="50" charset="0"/>
-                <a:ea typeface="+mj-ea"/>
-                <a:cs typeface="+mj-cs"/>
-              </a:rPr>
-              <a:t>Create functions </a:t>
-            </a:r>
-            <a:r>
-              <a:rPr lang="en-GB" sz="2400" dirty="0">
-                <a:solidFill>
-                  <a:prstClr val="black"/>
-                </a:solidFill>
-                <a:latin typeface="APL385 Unicode" panose="020B0709000202000203" pitchFamily="49" charset="0"/>
-                <a:ea typeface="+mj-ea"/>
-                <a:cs typeface="+mj-cs"/>
-              </a:rPr>
-              <a:t>mat1</a:t>
-            </a:r>
-            <a:r>
-              <a:rPr lang="en-GB" sz="2400" dirty="0">
-                <a:solidFill>
-                  <a:prstClr val="black"/>
-                </a:solidFill>
-                <a:latin typeface="Atkinson Hyperlegible" pitchFamily="50" charset="0"/>
-                <a:ea typeface="+mj-ea"/>
-                <a:cs typeface="+mj-cs"/>
-              </a:rPr>
-              <a:t>, </a:t>
-            </a:r>
-            <a:r>
-              <a:rPr lang="en-GB" sz="2400" dirty="0">
-                <a:solidFill>
-                  <a:prstClr val="black"/>
-                </a:solidFill>
-                <a:latin typeface="APL385 Unicode" panose="020B0709000202000203" pitchFamily="49" charset="0"/>
-                <a:ea typeface="+mj-ea"/>
-                <a:cs typeface="+mj-cs"/>
-              </a:rPr>
-              <a:t>mat2</a:t>
-            </a:r>
-            <a:r>
-              <a:rPr lang="en-GB" sz="2400" dirty="0">
-                <a:solidFill>
-                  <a:prstClr val="black"/>
-                </a:solidFill>
-                <a:latin typeface="Atkinson Hyperlegible" pitchFamily="50" charset="0"/>
-                <a:ea typeface="+mj-ea"/>
-                <a:cs typeface="+mj-cs"/>
-              </a:rPr>
-              <a:t>, and </a:t>
-            </a:r>
-            <a:r>
-              <a:rPr lang="en-GB" sz="2400" dirty="0">
-                <a:solidFill>
-                  <a:prstClr val="black"/>
-                </a:solidFill>
-                <a:latin typeface="APL385 Unicode" panose="020B0709000202000203" pitchFamily="49" charset="0"/>
-                <a:ea typeface="+mj-ea"/>
-                <a:cs typeface="+mj-cs"/>
-              </a:rPr>
-              <a:t>mat3</a:t>
-            </a:r>
-            <a:r>
-              <a:rPr lang="en-GB" sz="2400" dirty="0">
-                <a:solidFill>
-                  <a:prstClr val="black"/>
-                </a:solidFill>
-                <a:latin typeface="Atkinson Hyperlegible" pitchFamily="50" charset="0"/>
-                <a:ea typeface="+mj-ea"/>
-                <a:cs typeface="+mj-cs"/>
-              </a:rPr>
-              <a:t> that ignore their argument and always return the following matrices:</a:t>
-            </a:r>
-          </a:p>
-          <a:p>
             <a:endParaRPr lang="en-GB" sz="2400" dirty="0">
               <a:solidFill>
                 <a:prstClr val="black"/>
@@ -8041,6 +7927,158 @@
               <a:ea typeface="+mj-ea"/>
               <a:cs typeface="+mj-cs"/>
             </a:endParaRPr>
+          </a:p>
+          <a:p>
+            <a:r>
+              <a:rPr lang="en-GB" sz="2400" dirty="0">
+                <a:solidFill>
+                  <a:prstClr val="black"/>
+                </a:solidFill>
+                <a:latin typeface="Atkinson Hyperlegible" pitchFamily="50" charset="0"/>
+                <a:ea typeface="+mj-ea"/>
+                <a:cs typeface="+mj-cs"/>
+              </a:rPr>
+              <a:t>Consider the function </a:t>
+            </a:r>
+            <a:r>
+              <a:rPr lang="en-GB" sz="2400" dirty="0">
+                <a:solidFill>
+                  <a:prstClr val="black"/>
+                </a:solidFill>
+                <a:latin typeface="APL385 Unicode" panose="020B0709000202000203" pitchFamily="49" charset="0"/>
+                <a:ea typeface="+mj-ea"/>
+                <a:cs typeface="+mj-cs"/>
+              </a:rPr>
+              <a:t>Mat1</a:t>
+            </a:r>
+            <a:r>
+              <a:rPr lang="en-GB" sz="2400" dirty="0">
+                <a:solidFill>
+                  <a:prstClr val="black"/>
+                </a:solidFill>
+                <a:latin typeface="Atkinson Hyperlegible" pitchFamily="50" charset="0"/>
+                <a:ea typeface="+mj-ea"/>
+                <a:cs typeface="+mj-cs"/>
+              </a:rPr>
+              <a:t>:</a:t>
+            </a:r>
+          </a:p>
+          <a:p>
+            <a:r>
+              <a:rPr lang="en-GB" sz="2400" dirty="0">
+                <a:solidFill>
+                  <a:prstClr val="black"/>
+                </a:solidFill>
+                <a:latin typeface="APL385 Unicode" panose="020B0709000202000203" pitchFamily="49" charset="0"/>
+                <a:ea typeface="+mj-ea"/>
+                <a:cs typeface="+mj-cs"/>
+              </a:rPr>
+              <a:t>     Mat1←{2 3⍴⍳6}   ⍝ note: no "⍵" in Mat1</a:t>
+            </a:r>
+          </a:p>
+          <a:p>
+            <a:r>
+              <a:rPr lang="en-GB" sz="2400" dirty="0">
+                <a:solidFill>
+                  <a:prstClr val="black"/>
+                </a:solidFill>
+                <a:latin typeface="APL385 Unicode" panose="020B0709000202000203" pitchFamily="49" charset="0"/>
+                <a:ea typeface="+mj-ea"/>
+                <a:cs typeface="+mj-cs"/>
+              </a:rPr>
+              <a:t>	Mat1 0</a:t>
+            </a:r>
+          </a:p>
+          <a:p>
+            <a:r>
+              <a:rPr lang="en-GB" sz="2400" dirty="0">
+                <a:solidFill>
+                  <a:prstClr val="black"/>
+                </a:solidFill>
+                <a:latin typeface="APL385 Unicode" panose="020B0709000202000203" pitchFamily="49" charset="0"/>
+                <a:ea typeface="+mj-ea"/>
+                <a:cs typeface="+mj-cs"/>
+              </a:rPr>
+              <a:t>1 2 3</a:t>
+            </a:r>
+          </a:p>
+          <a:p>
+            <a:r>
+              <a:rPr lang="en-GB" sz="2400" dirty="0">
+                <a:solidFill>
+                  <a:prstClr val="black"/>
+                </a:solidFill>
+                <a:latin typeface="APL385 Unicode" panose="020B0709000202000203" pitchFamily="49" charset="0"/>
+                <a:ea typeface="+mj-ea"/>
+                <a:cs typeface="+mj-cs"/>
+              </a:rPr>
+              <a:t>4 5 6</a:t>
+            </a:r>
+            <a:endParaRPr lang="en-GB" sz="2400" dirty="0">
+              <a:solidFill>
+                <a:prstClr val="black"/>
+              </a:solidFill>
+              <a:latin typeface="Atkinson Hyperlegible" pitchFamily="50" charset="0"/>
+              <a:ea typeface="+mj-ea"/>
+              <a:cs typeface="+mj-cs"/>
+            </a:endParaRPr>
+          </a:p>
+          <a:p>
+            <a:r>
+              <a:rPr lang="en-GB" sz="2400" dirty="0">
+                <a:solidFill>
+                  <a:prstClr val="black"/>
+                </a:solidFill>
+                <a:latin typeface="Atkinson Hyperlegible" pitchFamily="50" charset="0"/>
+                <a:ea typeface="+mj-ea"/>
+                <a:cs typeface="+mj-cs"/>
+              </a:rPr>
+              <a:t>Create functions </a:t>
+            </a:r>
+            <a:r>
+              <a:rPr lang="en-GB" sz="2400" dirty="0">
+                <a:solidFill>
+                  <a:prstClr val="black"/>
+                </a:solidFill>
+                <a:latin typeface="APL385 Unicode" panose="020B0709000202000203" pitchFamily="49" charset="0"/>
+                <a:ea typeface="+mj-ea"/>
+                <a:cs typeface="+mj-cs"/>
+              </a:rPr>
+              <a:t>Mat2</a:t>
+            </a:r>
+            <a:r>
+              <a:rPr lang="en-GB" sz="2400" dirty="0">
+                <a:solidFill>
+                  <a:prstClr val="black"/>
+                </a:solidFill>
+                <a:latin typeface="Atkinson Hyperlegible" pitchFamily="50" charset="0"/>
+                <a:ea typeface="+mj-ea"/>
+                <a:cs typeface="+mj-cs"/>
+              </a:rPr>
+              <a:t> and </a:t>
+            </a:r>
+            <a:r>
+              <a:rPr lang="en-GB" sz="2400" dirty="0">
+                <a:solidFill>
+                  <a:prstClr val="black"/>
+                </a:solidFill>
+                <a:latin typeface="APL385 Unicode" panose="020B0709000202000203" pitchFamily="49" charset="0"/>
+                <a:ea typeface="+mj-ea"/>
+                <a:cs typeface="+mj-cs"/>
+              </a:rPr>
+              <a:t>Mat3</a:t>
+            </a:r>
+            <a:r>
+              <a:rPr lang="en-GB" sz="2400" dirty="0">
+                <a:solidFill>
+                  <a:prstClr val="black"/>
+                </a:solidFill>
+                <a:latin typeface="Atkinson Hyperlegible" pitchFamily="50" charset="0"/>
+                <a:ea typeface="+mj-ea"/>
+                <a:cs typeface="+mj-cs"/>
+              </a:rPr>
+              <a:t>:</a:t>
+            </a:r>
           </a:p>
           <a:p>
             <a:r>
@@ -10736,7 +10774,7 @@
                 <a:ea typeface="+mj-ea"/>
                 <a:cs typeface="+mj-cs"/>
               </a:rPr>
-              <a:t> (bonus)</a:t>
+              <a:t> (hard)</a:t>
             </a:r>
           </a:p>
           <a:p>
@@ -11288,7 +11326,7 @@
         <p:spPr>
           <a:xfrm>
             <a:off x="696000" y="369000"/>
-            <a:ext cx="10800000" cy="5755422"/>
+            <a:ext cx="10800000" cy="5386090"/>
           </a:xfrm>
           <a:prstGeom prst="rect">
             <a:avLst/>
@@ -11393,7 +11431,7 @@
                 <a:ea typeface="+mj-ea"/>
                 <a:cs typeface="+mj-cs"/>
               </a:rPr>
-              <a:t>VC</a:t>
+              <a:t>F</a:t>
             </a:r>
             <a:r>
               <a:rPr lang="en-GB" sz="2400" dirty="0">
@@ -11415,18 +11453,18 @@
                 <a:ea typeface="+mj-ea"/>
                 <a:cs typeface="+mj-cs"/>
               </a:rPr>
-              <a:t>HC</a:t>
-            </a:r>
-            <a:r>
-              <a:rPr lang="en-GB" sz="2400" dirty="0">
-                <a:solidFill>
-                  <a:prstClr val="black"/>
-                </a:solidFill>
-                <a:latin typeface="Atkinson Hyperlegible" pitchFamily="50" charset="0"/>
-                <a:ea typeface="+mj-ea"/>
-                <a:cs typeface="+mj-cs"/>
-              </a:rPr>
-              <a:t>, that accept matrices and behave as follows:</a:t>
+              <a:t>G</a:t>
+            </a:r>
+            <a:r>
+              <a:rPr lang="en-GB" sz="2400" dirty="0">
+                <a:solidFill>
+                  <a:prstClr val="black"/>
+                </a:solidFill>
+                <a:latin typeface="Atkinson Hyperlegible" pitchFamily="50" charset="0"/>
+                <a:ea typeface="+mj-ea"/>
+                <a:cs typeface="+mj-cs"/>
+              </a:rPr>
+              <a:t>, that behave as follows:</a:t>
             </a:r>
             <a:endParaRPr lang="en-GB" sz="2400" dirty="0">
               <a:solidFill>
@@ -11457,121 +11495,111 @@
                 <a:ea typeface="+mj-ea"/>
                 <a:cs typeface="+mj-cs"/>
               </a:rPr>
-              <a:t>	mat1 VC mat2</a:t>
-            </a:r>
-          </a:p>
-          <a:p>
-            <a:r>
-              <a:rPr lang="en-GB" sz="2400" dirty="0">
-                <a:solidFill>
-                  <a:prstClr val="black"/>
-                </a:solidFill>
-                <a:latin typeface="APL385 Unicode" panose="020B0709000202000203" pitchFamily="49" charset="0"/>
-                <a:ea typeface="+mj-ea"/>
-                <a:cs typeface="+mj-cs"/>
-              </a:rPr>
-              <a:t> 1 2 3</a:t>
-            </a:r>
-          </a:p>
-          <a:p>
-            <a:r>
-              <a:rPr lang="en-GB" sz="2400" dirty="0">
-                <a:solidFill>
-                  <a:prstClr val="black"/>
-                </a:solidFill>
-                <a:latin typeface="APL385 Unicode" panose="020B0709000202000203" pitchFamily="49" charset="0"/>
-                <a:ea typeface="+mj-ea"/>
-                <a:cs typeface="+mj-cs"/>
-              </a:rPr>
-              <a:t> 4 5 6</a:t>
-            </a:r>
-          </a:p>
-          <a:p>
-            <a:r>
-              <a:rPr lang="en-GB" sz="2400" dirty="0">
-                <a:solidFill>
-                  <a:prstClr val="black"/>
-                </a:solidFill>
-                <a:latin typeface="APL385 Unicode" panose="020B0709000202000203" pitchFamily="49" charset="0"/>
-                <a:ea typeface="+mj-ea"/>
-                <a:cs typeface="+mj-cs"/>
-              </a:rPr>
-              <a:t>¯1 0 1</a:t>
-            </a:r>
-          </a:p>
-          <a:p>
-            <a:r>
-              <a:rPr lang="en-GB" sz="2400" dirty="0">
-                <a:solidFill>
-                  <a:prstClr val="black"/>
-                </a:solidFill>
-                <a:latin typeface="APL385 Unicode" panose="020B0709000202000203" pitchFamily="49" charset="0"/>
-                <a:ea typeface="+mj-ea"/>
-                <a:cs typeface="+mj-cs"/>
-              </a:rPr>
-              <a:t> 2 3 4</a:t>
-            </a:r>
-          </a:p>
-          <a:p>
-            <a:endParaRPr lang="en-GB" sz="2400" dirty="0">
-              <a:solidFill>
-                <a:prstClr val="black"/>
-              </a:solidFill>
-              <a:latin typeface="APL385 Unicode" panose="020B0709000202000203" pitchFamily="49" charset="0"/>
-              <a:ea typeface="+mj-ea"/>
-              <a:cs typeface="+mj-cs"/>
-            </a:endParaRPr>
-          </a:p>
-          <a:p>
-            <a:r>
-              <a:rPr lang="en-GB" sz="2400" dirty="0">
-                <a:solidFill>
-                  <a:prstClr val="black"/>
-                </a:solidFill>
-                <a:latin typeface="APL385 Unicode" panose="020B0709000202000203" pitchFamily="49" charset="0"/>
-                <a:ea typeface="+mj-ea"/>
-                <a:cs typeface="+mj-cs"/>
-              </a:rPr>
-              <a:t>	HC mat3</a:t>
-            </a:r>
-          </a:p>
-          <a:p>
-            <a:r>
-              <a:rPr lang="en-GB" sz="2400" dirty="0">
-                <a:solidFill>
-                  <a:prstClr val="black"/>
-                </a:solidFill>
-                <a:latin typeface="APL385 Unicode" panose="020B0709000202000203" pitchFamily="49" charset="0"/>
-                <a:ea typeface="+mj-ea"/>
-                <a:cs typeface="+mj-cs"/>
-              </a:rPr>
-              <a:t>¯1 ¯2 ¯1 ¯2 ¯1 ¯2</a:t>
-            </a:r>
-          </a:p>
-          <a:p>
-            <a:r>
-              <a:rPr lang="en-GB" sz="2400" dirty="0">
-                <a:solidFill>
-                  <a:prstClr val="black"/>
-                </a:solidFill>
-                <a:latin typeface="APL385 Unicode" panose="020B0709000202000203" pitchFamily="49" charset="0"/>
-                <a:ea typeface="+mj-ea"/>
-                <a:cs typeface="+mj-cs"/>
-              </a:rPr>
-              <a:t>¯3 ¯4 ¯3 ¯4 ¯3 ¯4</a:t>
-            </a:r>
-          </a:p>
-          <a:p>
-            <a:r>
-              <a:rPr lang="en-GB" sz="2400" dirty="0">
-                <a:solidFill>
-                  <a:prstClr val="black"/>
-                </a:solidFill>
-                <a:latin typeface="APL385 Unicode" panose="020B0709000202000203" pitchFamily="49" charset="0"/>
-                <a:ea typeface="+mj-ea"/>
-                <a:cs typeface="+mj-cs"/>
-              </a:rPr>
-              <a:t>¯5 ¯6 ¯5 ¯6 ¯5 ¯6</a:t>
+              <a:t>	(2 3⍴1) F (2 3⍴2)</a:t>
+            </a:r>
+          </a:p>
+          <a:p>
+            <a:r>
+              <a:rPr lang="en-GB" sz="2400" dirty="0">
+                <a:solidFill>
+                  <a:prstClr val="black"/>
+                </a:solidFill>
+                <a:latin typeface="APL385 Unicode" panose="020B0709000202000203" pitchFamily="49" charset="0"/>
+                <a:ea typeface="+mj-ea"/>
+                <a:cs typeface="+mj-cs"/>
+              </a:rPr>
+              <a:t>1 1 1</a:t>
+            </a:r>
+          </a:p>
+          <a:p>
+            <a:r>
+              <a:rPr lang="en-GB" sz="2400" dirty="0">
+                <a:solidFill>
+                  <a:prstClr val="black"/>
+                </a:solidFill>
+                <a:latin typeface="APL385 Unicode" panose="020B0709000202000203" pitchFamily="49" charset="0"/>
+                <a:ea typeface="+mj-ea"/>
+                <a:cs typeface="+mj-cs"/>
+              </a:rPr>
+              <a:t>1 1 1</a:t>
+            </a:r>
+          </a:p>
+          <a:p>
+            <a:r>
+              <a:rPr lang="en-GB" sz="2400" dirty="0">
+                <a:solidFill>
+                  <a:prstClr val="black"/>
+                </a:solidFill>
+                <a:latin typeface="APL385 Unicode" panose="020B0709000202000203" pitchFamily="49" charset="0"/>
+                <a:ea typeface="+mj-ea"/>
+                <a:cs typeface="+mj-cs"/>
+              </a:rPr>
+              <a:t>2 2 2</a:t>
+            </a:r>
+          </a:p>
+          <a:p>
+            <a:r>
+              <a:rPr lang="en-GB" sz="2400" dirty="0">
+                <a:solidFill>
+                  <a:prstClr val="black"/>
+                </a:solidFill>
+                <a:latin typeface="APL385 Unicode" panose="020B0709000202000203" pitchFamily="49" charset="0"/>
+                <a:ea typeface="+mj-ea"/>
+                <a:cs typeface="+mj-cs"/>
+              </a:rPr>
+              <a:t>2 2 2</a:t>
+            </a:r>
+          </a:p>
+          <a:p>
+            <a:r>
+              <a:rPr lang="en-GB" sz="2400" dirty="0">
+                <a:solidFill>
+                  <a:prstClr val="black"/>
+                </a:solidFill>
+                <a:latin typeface="APL385 Unicode" panose="020B0709000202000203" pitchFamily="49" charset="0"/>
+                <a:ea typeface="+mj-ea"/>
+                <a:cs typeface="+mj-cs"/>
+              </a:rPr>
+              <a:t>	G 3 3⍴⍳9</a:t>
+            </a:r>
+          </a:p>
+          <a:p>
+            <a:r>
+              <a:rPr lang="en-GB" sz="2400" dirty="0">
+                <a:solidFill>
+                  <a:prstClr val="black"/>
+                </a:solidFill>
+                <a:latin typeface="APL385 Unicode" panose="020B0709000202000203" pitchFamily="49" charset="0"/>
+                <a:ea typeface="+mj-ea"/>
+                <a:cs typeface="+mj-cs"/>
+              </a:rPr>
+              <a:t>1 2 3 1 2 3</a:t>
+            </a:r>
+          </a:p>
+          <a:p>
+            <a:r>
+              <a:rPr lang="en-GB" sz="2400" dirty="0">
+                <a:solidFill>
+                  <a:prstClr val="black"/>
+                </a:solidFill>
+                <a:latin typeface="APL385 Unicode" panose="020B0709000202000203" pitchFamily="49" charset="0"/>
+                <a:ea typeface="+mj-ea"/>
+                <a:cs typeface="+mj-cs"/>
+              </a:rPr>
+              <a:t>4 5 6 4 5 6</a:t>
+            </a:r>
+          </a:p>
+          <a:p>
+            <a:r>
+              <a:rPr lang="en-GB" sz="2400" dirty="0">
+                <a:solidFill>
+                  <a:prstClr val="black"/>
+                </a:solidFill>
+                <a:latin typeface="APL385 Unicode" panose="020B0709000202000203" pitchFamily="49" charset="0"/>
+                <a:ea typeface="+mj-ea"/>
+                <a:cs typeface="+mj-cs"/>
+              </a:rPr>
+              <a:t>7 8 9 7 8 9</a:t>
             </a:r>
           </a:p>
         </p:txBody>
